--- a/COMP110/11/2020-21-COMP110-11-workshop-materials.pptx
+++ b/COMP110/11/2020-21-COMP110-11-workshop-materials.pptx
@@ -144,6 +144,11 @@
       </a:defRPr>
     </a:lvl9pPr>
   </p:defaultTextStyle>
+  <p:extLst>
+    <p:ext uri="{EFAFB233-063F-42B5-8137-9DF3F51BA10A}">
+      <p15:sldGuideLst xmlns:p15="http://schemas.microsoft.com/office/powerpoint/2012/main"/>
+    </p:ext>
+  </p:extLst>
 </p:presentation>
 </file>
 
@@ -27212,7 +27217,7 @@
           <a:p>
             <a:fld id="{14647998-3503-4F2F-8AF8-90297BD6B73F}" type="datetimeFigureOut">
               <a:rPr lang="en-GB" smtClean="0"/>
-              <a:t>29/11/2020</a:t>
+              <a:t>30/11/2020</a:t>
             </a:fld>
             <a:endParaRPr lang="en-GB"/>
           </a:p>
@@ -27474,7 +27479,7 @@
           <a:p>
             <a:fld id="{14647998-3503-4F2F-8AF8-90297BD6B73F}" type="datetimeFigureOut">
               <a:rPr lang="en-GB" smtClean="0"/>
-              <a:t>29/11/2020</a:t>
+              <a:t>30/11/2020</a:t>
             </a:fld>
             <a:endParaRPr lang="en-GB"/>
           </a:p>
@@ -27709,7 +27714,7 @@
           <a:p>
             <a:fld id="{14647998-3503-4F2F-8AF8-90297BD6B73F}" type="datetimeFigureOut">
               <a:rPr lang="en-GB" smtClean="0"/>
-              <a:t>29/11/2020</a:t>
+              <a:t>30/11/2020</a:t>
             </a:fld>
             <a:endParaRPr lang="en-GB"/>
           </a:p>
@@ -27969,7 +27974,7 @@
           <a:p>
             <a:fld id="{14647998-3503-4F2F-8AF8-90297BD6B73F}" type="datetimeFigureOut">
               <a:rPr lang="en-GB" smtClean="0"/>
-              <a:t>29/11/2020</a:t>
+              <a:t>30/11/2020</a:t>
             </a:fld>
             <a:endParaRPr lang="en-GB"/>
           </a:p>
@@ -28275,7 +28280,7 @@
           <a:p>
             <a:fld id="{14647998-3503-4F2F-8AF8-90297BD6B73F}" type="datetimeFigureOut">
               <a:rPr lang="en-GB" smtClean="0"/>
-              <a:t>29/11/2020</a:t>
+              <a:t>30/11/2020</a:t>
             </a:fld>
             <a:endParaRPr lang="en-GB"/>
           </a:p>
@@ -28577,7 +28582,7 @@
           <a:p>
             <a:fld id="{14647998-3503-4F2F-8AF8-90297BD6B73F}" type="datetimeFigureOut">
               <a:rPr lang="en-GB" smtClean="0"/>
-              <a:t>29/11/2020</a:t>
+              <a:t>30/11/2020</a:t>
             </a:fld>
             <a:endParaRPr lang="en-GB"/>
           </a:p>
@@ -28999,7 +29004,7 @@
           <a:p>
             <a:fld id="{14647998-3503-4F2F-8AF8-90297BD6B73F}" type="datetimeFigureOut">
               <a:rPr lang="en-GB" smtClean="0"/>
-              <a:t>29/11/2020</a:t>
+              <a:t>30/11/2020</a:t>
             </a:fld>
             <a:endParaRPr lang="en-GB"/>
           </a:p>
@@ -29161,7 +29166,7 @@
           <a:p>
             <a:fld id="{14647998-3503-4F2F-8AF8-90297BD6B73F}" type="datetimeFigureOut">
               <a:rPr lang="en-GB" smtClean="0"/>
-              <a:t>29/11/2020</a:t>
+              <a:t>30/11/2020</a:t>
             </a:fld>
             <a:endParaRPr lang="en-GB"/>
           </a:p>
@@ -29256,7 +29261,7 @@
           <a:p>
             <a:fld id="{14647998-3503-4F2F-8AF8-90297BD6B73F}" type="datetimeFigureOut">
               <a:rPr lang="en-GB" smtClean="0"/>
-              <a:t>29/11/2020</a:t>
+              <a:t>30/11/2020</a:t>
             </a:fld>
             <a:endParaRPr lang="en-GB"/>
           </a:p>
@@ -29634,7 +29639,7 @@
           <a:p>
             <a:fld id="{14647998-3503-4F2F-8AF8-90297BD6B73F}" type="datetimeFigureOut">
               <a:rPr lang="en-GB" smtClean="0"/>
-              <a:t>29/11/2020</a:t>
+              <a:t>30/11/2020</a:t>
             </a:fld>
             <a:endParaRPr lang="en-GB"/>
           </a:p>
@@ -29923,7 +29928,7 @@
           <a:p>
             <a:fld id="{14647998-3503-4F2F-8AF8-90297BD6B73F}" type="datetimeFigureOut">
               <a:rPr lang="en-GB" smtClean="0"/>
-              <a:t>29/11/2020</a:t>
+              <a:t>30/11/2020</a:t>
             </a:fld>
             <a:endParaRPr lang="en-GB"/>
           </a:p>
@@ -30134,7 +30139,7 @@
           <a:p>
             <a:fld id="{14647998-3503-4F2F-8AF8-90297BD6B73F}" type="datetimeFigureOut">
               <a:rPr lang="en-GB" smtClean="0"/>
-              <a:t>29/11/2020</a:t>
+              <a:t>30/11/2020</a:t>
             </a:fld>
             <a:endParaRPr lang="en-GB"/>
           </a:p>
@@ -30851,8 +30856,8 @@
           </a:p>
         </p:txBody>
       </p:sp>
-      <mc:AlternateContent xmlns:mc="http://schemas.openxmlformats.org/markup-compatibility/2006">
-        <mc:Choice xmlns:a14="http://schemas.microsoft.com/office/drawing/2010/main" Requires="a14">
+      <mc:AlternateContent xmlns:mc="http://schemas.openxmlformats.org/markup-compatibility/2006" xmlns:a14="http://schemas.microsoft.com/office/drawing/2010/main">
+        <mc:Choice Requires="a14">
           <p:sp>
             <p:nvSpPr>
               <p:cNvPr id="4" name="Content Placeholder 3">
@@ -30949,7 +30954,7 @@
             </p:txBody>
           </p:sp>
         </mc:Choice>
-        <mc:Fallback>
+        <mc:Fallback xmlns="">
           <p:sp>
             <p:nvSpPr>
               <p:cNvPr id="4" name="Content Placeholder 3">
@@ -31307,8 +31312,8 @@
           </a:p>
         </p:txBody>
       </p:sp>
-      <mc:AlternateContent xmlns:mc="http://schemas.openxmlformats.org/markup-compatibility/2006">
-        <mc:Choice xmlns:a14="http://schemas.microsoft.com/office/drawing/2010/main" Requires="a14">
+      <mc:AlternateContent xmlns:mc="http://schemas.openxmlformats.org/markup-compatibility/2006" xmlns:a14="http://schemas.microsoft.com/office/drawing/2010/main">
+        <mc:Choice Requires="a14">
           <p:sp>
             <p:nvSpPr>
               <p:cNvPr id="3" name="Content Placeholder 2">
@@ -31435,7 +31440,7 @@
             </p:txBody>
           </p:sp>
         </mc:Choice>
-        <mc:Fallback>
+        <mc:Fallback xmlns="">
           <p:sp>
             <p:nvSpPr>
               <p:cNvPr id="3" name="Content Placeholder 2">
@@ -31896,8 +31901,8 @@
           </a:p>
         </p:txBody>
       </p:sp>
-      <mc:AlternateContent xmlns:mc="http://schemas.openxmlformats.org/markup-compatibility/2006">
-        <mc:Choice xmlns:a14="http://schemas.microsoft.com/office/drawing/2010/main" Requires="a14">
+      <mc:AlternateContent xmlns:mc="http://schemas.openxmlformats.org/markup-compatibility/2006" xmlns:a14="http://schemas.microsoft.com/office/drawing/2010/main">
+        <mc:Choice Requires="a14">
           <p:sp>
             <p:nvSpPr>
               <p:cNvPr id="4" name="Content Placeholder 3">
@@ -32023,7 +32028,7 @@
             </p:txBody>
           </p:sp>
         </mc:Choice>
-        <mc:Fallback>
+        <mc:Fallback xmlns="">
           <p:sp>
             <p:nvSpPr>
               <p:cNvPr id="4" name="Content Placeholder 3">
@@ -32481,8 +32486,8 @@
           </a:p>
         </p:txBody>
       </p:sp>
-      <mc:AlternateContent xmlns:mc="http://schemas.openxmlformats.org/markup-compatibility/2006">
-        <mc:Choice xmlns:a14="http://schemas.microsoft.com/office/drawing/2010/main" Requires="a14">
+      <mc:AlternateContent xmlns:mc="http://schemas.openxmlformats.org/markup-compatibility/2006" xmlns:a14="http://schemas.microsoft.com/office/drawing/2010/main">
+        <mc:Choice Requires="a14">
           <p:sp>
             <p:nvSpPr>
               <p:cNvPr id="4" name="Content Placeholder 3">
@@ -32703,7 +32708,7 @@
             </p:txBody>
           </p:sp>
         </mc:Choice>
-        <mc:Fallback>
+        <mc:Fallback xmlns="">
           <p:sp>
             <p:nvSpPr>
               <p:cNvPr id="4" name="Content Placeholder 3">
@@ -34906,8 +34911,8 @@
           </a:p>
         </p:txBody>
       </p:sp>
-      <mc:AlternateContent xmlns:mc="http://schemas.openxmlformats.org/markup-compatibility/2006">
-        <mc:Choice xmlns:a14="http://schemas.microsoft.com/office/drawing/2010/main" Requires="a14">
+      <mc:AlternateContent xmlns:mc="http://schemas.openxmlformats.org/markup-compatibility/2006" xmlns:a14="http://schemas.microsoft.com/office/drawing/2010/main">
+        <mc:Choice Requires="a14">
           <p:graphicFrame>
             <p:nvGraphicFramePr>
               <p:cNvPr id="4" name="Table 4">
@@ -35661,7 +35666,7 @@
             </a:graphic>
           </p:graphicFrame>
         </mc:Choice>
-        <mc:Fallback>
+        <mc:Fallback xmlns="">
           <p:graphicFrame>
             <p:nvGraphicFramePr>
               <p:cNvPr id="4" name="Table 4">
@@ -36222,8 +36227,8 @@
           </a:p>
         </p:txBody>
       </p:sp>
-      <mc:AlternateContent xmlns:mc="http://schemas.openxmlformats.org/markup-compatibility/2006">
-        <mc:Choice xmlns:a14="http://schemas.microsoft.com/office/drawing/2010/main" Requires="a14">
+      <mc:AlternateContent xmlns:mc="http://schemas.openxmlformats.org/markup-compatibility/2006" xmlns:a14="http://schemas.microsoft.com/office/drawing/2010/main">
+        <mc:Choice Requires="a14">
           <p:sp>
             <p:nvSpPr>
               <p:cNvPr id="3" name="Content Placeholder 2">
@@ -36464,7 +36469,7 @@
             </p:txBody>
           </p:sp>
         </mc:Choice>
-        <mc:Fallback>
+        <mc:Fallback xmlns="">
           <p:sp>
             <p:nvSpPr>
               <p:cNvPr id="3" name="Content Placeholder 2">
@@ -36972,8 +36977,8 @@
           </a:p>
         </p:txBody>
       </p:sp>
-      <mc:AlternateContent xmlns:mc="http://schemas.openxmlformats.org/markup-compatibility/2006">
-        <mc:Choice xmlns:a14="http://schemas.microsoft.com/office/drawing/2010/main" Requires="a14">
+      <mc:AlternateContent xmlns:mc="http://schemas.openxmlformats.org/markup-compatibility/2006" xmlns:a14="http://schemas.microsoft.com/office/drawing/2010/main">
+        <mc:Choice Requires="a14">
           <p:sp>
             <p:nvSpPr>
               <p:cNvPr id="3" name="Content Placeholder 2">
@@ -37441,7 +37446,7 @@
             </p:txBody>
           </p:sp>
         </mc:Choice>
-        <mc:Fallback>
+        <mc:Fallback xmlns="">
           <p:sp>
             <p:nvSpPr>
               <p:cNvPr id="3" name="Content Placeholder 2">
@@ -37768,8 +37773,8 @@
           </a:p>
         </p:txBody>
       </p:sp>
-      <mc:AlternateContent xmlns:mc="http://schemas.openxmlformats.org/markup-compatibility/2006">
-        <mc:Choice xmlns:a14="http://schemas.microsoft.com/office/drawing/2010/main" Requires="a14">
+      <mc:AlternateContent xmlns:mc="http://schemas.openxmlformats.org/markup-compatibility/2006" xmlns:a14="http://schemas.microsoft.com/office/drawing/2010/main">
+        <mc:Choice Requires="a14">
           <p:sp>
             <p:nvSpPr>
               <p:cNvPr id="3" name="Content Placeholder 2">
@@ -38183,7 +38188,7 @@
             </p:txBody>
           </p:sp>
         </mc:Choice>
-        <mc:Fallback>
+        <mc:Fallback xmlns="">
           <p:sp>
             <p:nvSpPr>
               <p:cNvPr id="3" name="Content Placeholder 2">
@@ -39108,7 +39113,19 @@
                       <a:rPr lang="en-GB" b="0" i="1" smtClean="0">
                         <a:latin typeface="Cambria Math" panose="02040503050406030204" pitchFamily="18" charset="0"/>
                       </a:rPr>
-                      <m:t>=42000</m:t>
+                      <m:t>=4200</m:t>
+                    </m:r>
+                    <m:r>
+                      <a:rPr lang="en-GB" b="0" i="1" smtClean="0">
+                        <a:latin typeface="Cambria Math" panose="02040503050406030204" pitchFamily="18" charset="0"/>
+                      </a:rPr>
+                      <m:t>0</m:t>
+                    </m:r>
+                    <m:r>
+                      <a:rPr lang="en-GB" b="0" i="1" smtClean="0">
+                        <a:latin typeface="Cambria Math" panose="02040503050406030204" pitchFamily="18" charset="0"/>
+                      </a:rPr>
+                      <m:t>0</m:t>
                     </m:r>
                   </m:oMath>
                 </a14:m>
@@ -39328,26 +39345,39 @@
                                   </p:childTnLst>
                                 </p:cTn>
                               </p:par>
-                            </p:childTnLst>
-                          </p:cTn>
-                        </p:par>
-                      </p:childTnLst>
-                    </p:cTn>
-                  </p:par>
-                  <p:par>
-                    <p:cTn id="7" fill="hold">
-                      <p:stCondLst>
-                        <p:cond delay="indefinite"/>
-                      </p:stCondLst>
-                      <p:childTnLst>
-                        <p:par>
-                          <p:cTn id="8" fill="hold">
-                            <p:stCondLst>
-                              <p:cond delay="0"/>
-                            </p:stCondLst>
-                            <p:childTnLst>
                               <p:par>
-                                <p:cTn id="9" presetID="1" presetClass="entr" presetSubtype="0" fill="hold" grpId="0" nodeType="clickEffect">
+                                <p:cTn id="7" presetID="1" presetClass="entr" presetSubtype="0" fill="hold" grpId="0" nodeType="withEffect">
+                                  <p:stCondLst>
+                                    <p:cond delay="0"/>
+                                  </p:stCondLst>
+                                  <p:childTnLst>
+                                    <p:set>
+                                      <p:cBhvr>
+                                        <p:cTn id="8" dur="1" fill="hold">
+                                          <p:stCondLst>
+                                            <p:cond delay="0"/>
+                                          </p:stCondLst>
+                                        </p:cTn>
+                                        <p:tgtEl>
+                                          <p:spTgt spid="3">
+                                            <p:txEl>
+                                              <p:pRg st="1" end="1"/>
+                                            </p:txEl>
+                                          </p:spTgt>
+                                        </p:tgtEl>
+                                        <p:attrNameLst>
+                                          <p:attrName>style.visibility</p:attrName>
+                                        </p:attrNameLst>
+                                      </p:cBhvr>
+                                      <p:to>
+                                        <p:strVal val="visible"/>
+                                      </p:to>
+                                    </p:set>
+                                  </p:childTnLst>
+                                </p:cTn>
+                              </p:par>
+                              <p:par>
+                                <p:cTn id="9" presetID="1" presetClass="entr" presetSubtype="0" fill="hold" grpId="0" nodeType="withEffect">
                                   <p:stCondLst>
                                     <p:cond delay="0"/>
                                   </p:stCondLst>
@@ -39362,7 +39392,7 @@
                                         <p:tgtEl>
                                           <p:spTgt spid="3">
                                             <p:txEl>
-                                              <p:pRg st="1" end="1"/>
+                                              <p:pRg st="2" end="2"/>
                                             </p:txEl>
                                           </p:spTgt>
                                         </p:tgtEl>
@@ -39411,55 +39441,6 @@
                                         <p:tgtEl>
                                           <p:spTgt spid="3">
                                             <p:txEl>
-                                              <p:pRg st="2" end="2"/>
-                                            </p:txEl>
-                                          </p:spTgt>
-                                        </p:tgtEl>
-                                        <p:attrNameLst>
-                                          <p:attrName>style.visibility</p:attrName>
-                                        </p:attrNameLst>
-                                      </p:cBhvr>
-                                      <p:to>
-                                        <p:strVal val="visible"/>
-                                      </p:to>
-                                    </p:set>
-                                  </p:childTnLst>
-                                </p:cTn>
-                              </p:par>
-                            </p:childTnLst>
-                          </p:cTn>
-                        </p:par>
-                      </p:childTnLst>
-                    </p:cTn>
-                  </p:par>
-                  <p:par>
-                    <p:cTn id="15" fill="hold">
-                      <p:stCondLst>
-                        <p:cond delay="indefinite"/>
-                      </p:stCondLst>
-                      <p:childTnLst>
-                        <p:par>
-                          <p:cTn id="16" fill="hold">
-                            <p:stCondLst>
-                              <p:cond delay="0"/>
-                            </p:stCondLst>
-                            <p:childTnLst>
-                              <p:par>
-                                <p:cTn id="17" presetID="1" presetClass="entr" presetSubtype="0" fill="hold" grpId="0" nodeType="clickEffect">
-                                  <p:stCondLst>
-                                    <p:cond delay="0"/>
-                                  </p:stCondLst>
-                                  <p:childTnLst>
-                                    <p:set>
-                                      <p:cBhvr>
-                                        <p:cTn id="18" dur="1" fill="hold">
-                                          <p:stCondLst>
-                                            <p:cond delay="0"/>
-                                          </p:stCondLst>
-                                        </p:cTn>
-                                        <p:tgtEl>
-                                          <p:spTgt spid="3">
-                                            <p:txEl>
                                               <p:pRg st="3" end="3"/>
                                             </p:txEl>
                                           </p:spTgt>
@@ -39475,33 +39456,15 @@
                                   </p:childTnLst>
                                 </p:cTn>
                               </p:par>
-                            </p:childTnLst>
-                          </p:cTn>
-                        </p:par>
-                      </p:childTnLst>
-                    </p:cTn>
-                  </p:par>
-                  <p:par>
-                    <p:cTn id="19" fill="hold">
-                      <p:stCondLst>
-                        <p:cond delay="indefinite"/>
-                      </p:stCondLst>
-                      <p:childTnLst>
-                        <p:par>
-                          <p:cTn id="20" fill="hold">
-                            <p:stCondLst>
-                              <p:cond delay="0"/>
-                            </p:stCondLst>
-                            <p:childTnLst>
                               <p:par>
-                                <p:cTn id="21" presetID="1" presetClass="entr" presetSubtype="0" fill="hold" grpId="0" nodeType="clickEffect">
+                                <p:cTn id="15" presetID="1" presetClass="entr" presetSubtype="0" fill="hold" grpId="0" nodeType="withEffect">
                                   <p:stCondLst>
                                     <p:cond delay="0"/>
                                   </p:stCondLst>
                                   <p:childTnLst>
                                     <p:set>
                                       <p:cBhvr>
-                                        <p:cTn id="22" dur="1" fill="hold">
+                                        <p:cTn id="16" dur="1" fill="hold">
                                           <p:stCondLst>
                                             <p:cond delay="0"/>
                                           </p:stCondLst>
@@ -39524,33 +39487,15 @@
                                   </p:childTnLst>
                                 </p:cTn>
                               </p:par>
-                            </p:childTnLst>
-                          </p:cTn>
-                        </p:par>
-                      </p:childTnLst>
-                    </p:cTn>
-                  </p:par>
-                  <p:par>
-                    <p:cTn id="23" fill="hold">
-                      <p:stCondLst>
-                        <p:cond delay="indefinite"/>
-                      </p:stCondLst>
-                      <p:childTnLst>
-                        <p:par>
-                          <p:cTn id="24" fill="hold">
-                            <p:stCondLst>
-                              <p:cond delay="0"/>
-                            </p:stCondLst>
-                            <p:childTnLst>
                               <p:par>
-                                <p:cTn id="25" presetID="1" presetClass="entr" presetSubtype="0" fill="hold" grpId="0" nodeType="clickEffect">
+                                <p:cTn id="17" presetID="1" presetClass="entr" presetSubtype="0" fill="hold" grpId="0" nodeType="withEffect">
                                   <p:stCondLst>
                                     <p:cond delay="0"/>
                                   </p:stCondLst>
                                   <p:childTnLst>
                                     <p:set>
                                       <p:cBhvr>
-                                        <p:cTn id="26" dur="1" fill="hold">
+                                        <p:cTn id="18" dur="1" fill="hold">
                                           <p:stCondLst>
                                             <p:cond delay="0"/>
                                           </p:stCondLst>
@@ -39652,8 +39597,8 @@
           </a:p>
         </p:txBody>
       </p:sp>
-      <mc:AlternateContent xmlns:mc="http://schemas.openxmlformats.org/markup-compatibility/2006">
-        <mc:Choice xmlns:a14="http://schemas.microsoft.com/office/drawing/2010/main" Requires="a14">
+      <mc:AlternateContent xmlns:mc="http://schemas.openxmlformats.org/markup-compatibility/2006" xmlns:a14="http://schemas.microsoft.com/office/drawing/2010/main">
+        <mc:Choice Requires="a14">
           <p:sp>
             <p:nvSpPr>
               <p:cNvPr id="3" name="Content Placeholder 2">
@@ -39738,7 +39683,7 @@
             </p:txBody>
           </p:sp>
         </mc:Choice>
-        <mc:Fallback>
+        <mc:Fallback xmlns="">
           <p:sp>
             <p:nvSpPr>
               <p:cNvPr id="3" name="Content Placeholder 2">
@@ -39778,8 +39723,8 @@
           </p:sp>
         </mc:Fallback>
       </mc:AlternateContent>
-      <mc:AlternateContent xmlns:mc="http://schemas.openxmlformats.org/markup-compatibility/2006">
-        <mc:Choice xmlns:a14="http://schemas.microsoft.com/office/drawing/2010/main" Requires="a14">
+      <mc:AlternateContent xmlns:mc="http://schemas.openxmlformats.org/markup-compatibility/2006" xmlns:a14="http://schemas.microsoft.com/office/drawing/2010/main">
+        <mc:Choice Requires="a14">
           <p:sp>
             <p:nvSpPr>
               <p:cNvPr id="6" name="Speech Bubble: Rectangle with Corners Rounded 5">
@@ -39884,7 +39829,7 @@
             </p:txBody>
           </p:sp>
         </mc:Choice>
-        <mc:Fallback>
+        <mc:Fallback xmlns="">
           <p:sp>
             <p:nvSpPr>
               <p:cNvPr id="6" name="Speech Bubble: Rectangle with Corners Rounded 5">
@@ -40274,8 +40219,8 @@
           </a:p>
         </p:txBody>
       </p:sp>
-      <mc:AlternateContent xmlns:mc="http://schemas.openxmlformats.org/markup-compatibility/2006">
-        <mc:Choice xmlns:a14="http://schemas.microsoft.com/office/drawing/2010/main" Requires="a14">
+      <mc:AlternateContent xmlns:mc="http://schemas.openxmlformats.org/markup-compatibility/2006" xmlns:a14="http://schemas.microsoft.com/office/drawing/2010/main">
+        <mc:Choice Requires="a14">
           <p:sp>
             <p:nvSpPr>
               <p:cNvPr id="3" name="Content Placeholder 2">
@@ -40409,7 +40354,7 @@
             </p:txBody>
           </p:sp>
         </mc:Choice>
-        <mc:Fallback>
+        <mc:Fallback xmlns="">
           <p:sp>
             <p:nvSpPr>
               <p:cNvPr id="3" name="Content Placeholder 2">
@@ -40687,8 +40632,8 @@
           </a:p>
         </p:txBody>
       </p:sp>
-      <mc:AlternateContent xmlns:mc="http://schemas.openxmlformats.org/markup-compatibility/2006">
-        <mc:Choice xmlns:a14="http://schemas.microsoft.com/office/drawing/2010/main" Requires="a14">
+      <mc:AlternateContent xmlns:mc="http://schemas.openxmlformats.org/markup-compatibility/2006" xmlns:a14="http://schemas.microsoft.com/office/drawing/2010/main">
+        <mc:Choice Requires="a14">
           <p:sp>
             <p:nvSpPr>
               <p:cNvPr id="3" name="Content Placeholder 2">
@@ -40782,7 +40727,7 @@
             </p:txBody>
           </p:sp>
         </mc:Choice>
-        <mc:Fallback>
+        <mc:Fallback xmlns="">
           <p:sp>
             <p:nvSpPr>
               <p:cNvPr id="3" name="Content Placeholder 2">
@@ -41143,8 +41088,8 @@
           </a:p>
         </p:txBody>
       </p:sp>
-      <mc:AlternateContent xmlns:mc="http://schemas.openxmlformats.org/markup-compatibility/2006">
-        <mc:Choice xmlns:a14="http://schemas.microsoft.com/office/drawing/2010/main" Requires="a14">
+      <mc:AlternateContent xmlns:mc="http://schemas.openxmlformats.org/markup-compatibility/2006" xmlns:a14="http://schemas.microsoft.com/office/drawing/2010/main">
+        <mc:Choice Requires="a14">
           <p:sp>
             <p:nvSpPr>
               <p:cNvPr id="3" name="Content Placeholder 2">
@@ -41376,7 +41321,7 @@
             </p:txBody>
           </p:sp>
         </mc:Choice>
-        <mc:Fallback>
+        <mc:Fallback xmlns="">
           <p:sp>
             <p:nvSpPr>
               <p:cNvPr id="3" name="Content Placeholder 2">
@@ -41703,8 +41648,8 @@
           </a:p>
         </p:txBody>
       </p:sp>
-      <mc:AlternateContent xmlns:mc="http://schemas.openxmlformats.org/markup-compatibility/2006">
-        <mc:Choice xmlns:a14="http://schemas.microsoft.com/office/drawing/2010/main" Requires="a14">
+      <mc:AlternateContent xmlns:mc="http://schemas.openxmlformats.org/markup-compatibility/2006" xmlns:a14="http://schemas.microsoft.com/office/drawing/2010/main">
+        <mc:Choice Requires="a14">
           <p:sp>
             <p:nvSpPr>
               <p:cNvPr id="3" name="Content Placeholder 2">
@@ -41789,7 +41734,7 @@
             </p:txBody>
           </p:sp>
         </mc:Choice>
-        <mc:Fallback>
+        <mc:Fallback xmlns="">
           <p:sp>
             <p:nvSpPr>
               <p:cNvPr id="3" name="Content Placeholder 2">
@@ -41829,8 +41774,8 @@
           </p:sp>
         </mc:Fallback>
       </mc:AlternateContent>
-      <mc:AlternateContent xmlns:mc="http://schemas.openxmlformats.org/markup-compatibility/2006">
-        <mc:Choice xmlns:a14="http://schemas.microsoft.com/office/drawing/2010/main" Requires="a14">
+      <mc:AlternateContent xmlns:mc="http://schemas.openxmlformats.org/markup-compatibility/2006" xmlns:a14="http://schemas.microsoft.com/office/drawing/2010/main">
+        <mc:Choice Requires="a14">
           <p:sp>
             <p:nvSpPr>
               <p:cNvPr id="6" name="Speech Bubble: Rectangle with Corners Rounded 5">
@@ -41949,7 +41894,7 @@
             </p:txBody>
           </p:sp>
         </mc:Choice>
-        <mc:Fallback>
+        <mc:Fallback xmlns="">
           <p:sp>
             <p:nvSpPr>
               <p:cNvPr id="6" name="Speech Bubble: Rectangle with Corners Rounded 5">
@@ -44963,8 +44908,8 @@
           </a:p>
         </p:txBody>
       </p:sp>
-      <mc:AlternateContent xmlns:mc="http://schemas.openxmlformats.org/markup-compatibility/2006">
-        <mc:Choice xmlns:a14="http://schemas.microsoft.com/office/drawing/2010/main" Requires="a14">
+      <mc:AlternateContent xmlns:mc="http://schemas.openxmlformats.org/markup-compatibility/2006" xmlns:a14="http://schemas.microsoft.com/office/drawing/2010/main">
+        <mc:Choice Requires="a14">
           <p:sp>
             <p:nvSpPr>
               <p:cNvPr id="8" name="Speech Bubble: Rectangle with Corners Rounded 7">
@@ -45051,7 +44996,7 @@
             </p:txBody>
           </p:sp>
         </mc:Choice>
-        <mc:Fallback>
+        <mc:Fallback xmlns="">
           <p:sp>
             <p:nvSpPr>
               <p:cNvPr id="8" name="Speech Bubble: Rectangle with Corners Rounded 7">
@@ -45219,8 +45164,8 @@
           </a:p>
         </p:txBody>
       </p:sp>
-      <mc:AlternateContent xmlns:mc="http://schemas.openxmlformats.org/markup-compatibility/2006">
-        <mc:Choice xmlns:a14="http://schemas.microsoft.com/office/drawing/2010/main" Requires="a14">
+      <mc:AlternateContent xmlns:mc="http://schemas.openxmlformats.org/markup-compatibility/2006" xmlns:a14="http://schemas.microsoft.com/office/drawing/2010/main">
+        <mc:Choice Requires="a14">
           <p:sp>
             <p:nvSpPr>
               <p:cNvPr id="12" name="Rectangle: Rounded Corners 11">
@@ -45344,7 +45289,7 @@
             </p:txBody>
           </p:sp>
         </mc:Choice>
-        <mc:Fallback>
+        <mc:Fallback xmlns="">
           <p:sp>
             <p:nvSpPr>
               <p:cNvPr id="12" name="Rectangle: Rounded Corners 11">
@@ -45747,8 +45692,8 @@
           </a:p>
         </p:txBody>
       </p:sp>
-      <mc:AlternateContent xmlns:mc="http://schemas.openxmlformats.org/markup-compatibility/2006">
-        <mc:Choice xmlns:a14="http://schemas.microsoft.com/office/drawing/2010/main" Requires="a14">
+      <mc:AlternateContent xmlns:mc="http://schemas.openxmlformats.org/markup-compatibility/2006" xmlns:a14="http://schemas.microsoft.com/office/drawing/2010/main">
+        <mc:Choice Requires="a14">
           <p:sp>
             <p:nvSpPr>
               <p:cNvPr id="3" name="Content Placeholder 2">
@@ -45828,7 +45773,7 @@
             </p:txBody>
           </p:sp>
         </mc:Choice>
-        <mc:Fallback>
+        <mc:Fallback xmlns="">
           <p:sp>
             <p:nvSpPr>
               <p:cNvPr id="3" name="Content Placeholder 2">
@@ -46824,8 +46769,8 @@
           </a:p>
         </p:txBody>
       </p:sp>
-      <mc:AlternateContent xmlns:mc="http://schemas.openxmlformats.org/markup-compatibility/2006">
-        <mc:Choice xmlns:a14="http://schemas.microsoft.com/office/drawing/2010/main" Requires="a14">
+      <mc:AlternateContent xmlns:mc="http://schemas.openxmlformats.org/markup-compatibility/2006" xmlns:a14="http://schemas.microsoft.com/office/drawing/2010/main">
+        <mc:Choice Requires="a14">
           <p:sp>
             <p:nvSpPr>
               <p:cNvPr id="3" name="Content Placeholder 2">
@@ -47020,7 +46965,7 @@
             </p:txBody>
           </p:sp>
         </mc:Choice>
-        <mc:Fallback>
+        <mc:Fallback xmlns="">
           <p:sp>
             <p:nvSpPr>
               <p:cNvPr id="3" name="Content Placeholder 2">
@@ -47729,8 +47674,8 @@
           </a:p>
         </p:txBody>
       </p:sp>
-      <mc:AlternateContent xmlns:mc="http://schemas.openxmlformats.org/markup-compatibility/2006">
-        <mc:Choice xmlns:a14="http://schemas.microsoft.com/office/drawing/2010/main" Requires="a14">
+      <mc:AlternateContent xmlns:mc="http://schemas.openxmlformats.org/markup-compatibility/2006" xmlns:a14="http://schemas.microsoft.com/office/drawing/2010/main">
+        <mc:Choice Requires="a14">
           <p:sp>
             <p:nvSpPr>
               <p:cNvPr id="3" name="Content Placeholder 2">
@@ -47905,7 +47850,7 @@
                     <m:f>
                       <m:fPr>
                         <m:ctrlPr>
-                          <a:rPr lang="en-GB" b="0" i="0" smtClean="0">
+                          <a:rPr lang="en-GB" b="0" i="1" smtClean="0">
                             <a:latin typeface="Cambria Math" panose="02040503050406030204" pitchFamily="18" charset="0"/>
                           </a:rPr>
                         </m:ctrlPr>
@@ -47934,7 +47879,7 @@
             </p:txBody>
           </p:sp>
         </mc:Choice>
-        <mc:Fallback>
+        <mc:Fallback xmlns="">
           <p:sp>
             <p:nvSpPr>
               <p:cNvPr id="3" name="Content Placeholder 2">
@@ -48697,8 +48642,8 @@
           </a:p>
         </p:txBody>
       </p:sp>
-      <mc:AlternateContent xmlns:mc="http://schemas.openxmlformats.org/markup-compatibility/2006">
-        <mc:Choice xmlns:a14="http://schemas.microsoft.com/office/drawing/2010/main" Requires="a14">
+      <mc:AlternateContent xmlns:mc="http://schemas.openxmlformats.org/markup-compatibility/2006" xmlns:a14="http://schemas.microsoft.com/office/drawing/2010/main">
+        <mc:Choice Requires="a14">
           <p:sp>
             <p:nvSpPr>
               <p:cNvPr id="3" name="Content Placeholder 2">
@@ -48791,7 +48736,7 @@
             </p:txBody>
           </p:sp>
         </mc:Choice>
-        <mc:Fallback>
+        <mc:Fallback xmlns="">
           <p:sp>
             <p:nvSpPr>
               <p:cNvPr id="3" name="Content Placeholder 2">
@@ -49755,8 +49700,8 @@
           </a:p>
         </p:txBody>
       </p:sp>
-      <mc:AlternateContent xmlns:mc="http://schemas.openxmlformats.org/markup-compatibility/2006">
-        <mc:Choice xmlns:a14="http://schemas.microsoft.com/office/drawing/2010/main" Requires="a14">
+      <mc:AlternateContent xmlns:mc="http://schemas.openxmlformats.org/markup-compatibility/2006" xmlns:a14="http://schemas.microsoft.com/office/drawing/2010/main">
+        <mc:Choice Requires="a14">
           <p:sp>
             <p:nvSpPr>
               <p:cNvPr id="4" name="Content Placeholder 3">
@@ -49824,7 +49769,7 @@
             </p:txBody>
           </p:sp>
         </mc:Choice>
-        <mc:Fallback>
+        <mc:Fallback xmlns="">
           <p:sp>
             <p:nvSpPr>
               <p:cNvPr id="4" name="Content Placeholder 3">
@@ -50168,8 +50113,8 @@
           </a:p>
         </p:txBody>
       </p:sp>
-      <mc:AlternateContent xmlns:mc="http://schemas.openxmlformats.org/markup-compatibility/2006">
-        <mc:Choice xmlns:a14="http://schemas.microsoft.com/office/drawing/2010/main" Requires="a14">
+      <mc:AlternateContent xmlns:mc="http://schemas.openxmlformats.org/markup-compatibility/2006" xmlns:a14="http://schemas.microsoft.com/office/drawing/2010/main">
+        <mc:Choice Requires="a14">
           <p:sp>
             <p:nvSpPr>
               <p:cNvPr id="4" name="Content Placeholder 3">
@@ -50286,7 +50231,7 @@
             </p:txBody>
           </p:sp>
         </mc:Choice>
-        <mc:Fallback>
+        <mc:Fallback xmlns="">
           <p:sp>
             <p:nvSpPr>
               <p:cNvPr id="4" name="Content Placeholder 3">
@@ -51356,8 +51301,8 @@
           </a:p>
         </p:txBody>
       </p:sp>
-      <mc:AlternateContent xmlns:mc="http://schemas.openxmlformats.org/markup-compatibility/2006">
-        <mc:Choice xmlns:a14="http://schemas.microsoft.com/office/drawing/2010/main" Requires="a14">
+      <mc:AlternateContent xmlns:mc="http://schemas.openxmlformats.org/markup-compatibility/2006" xmlns:a14="http://schemas.microsoft.com/office/drawing/2010/main">
+        <mc:Choice Requires="a14">
           <p:sp>
             <p:nvSpPr>
               <p:cNvPr id="3" name="Content Placeholder 2">
@@ -51645,7 +51590,7 @@
             </p:txBody>
           </p:sp>
         </mc:Choice>
-        <mc:Fallback>
+        <mc:Fallback xmlns="">
           <p:sp>
             <p:nvSpPr>
               <p:cNvPr id="3" name="Content Placeholder 2">
@@ -52070,8 +52015,8 @@
           </a:p>
         </p:txBody>
       </p:sp>
-      <mc:AlternateContent xmlns:mc="http://schemas.openxmlformats.org/markup-compatibility/2006">
-        <mc:Choice xmlns:a14="http://schemas.microsoft.com/office/drawing/2010/main" Requires="a14">
+      <mc:AlternateContent xmlns:mc="http://schemas.openxmlformats.org/markup-compatibility/2006" xmlns:a14="http://schemas.microsoft.com/office/drawing/2010/main">
+        <mc:Choice Requires="a14">
           <p:sp>
             <p:nvSpPr>
               <p:cNvPr id="3" name="Content Placeholder 2">
@@ -52203,7 +52148,7 @@
             </p:txBody>
           </p:sp>
         </mc:Choice>
-        <mc:Fallback>
+        <mc:Fallback xmlns="">
           <p:sp>
             <p:nvSpPr>
               <p:cNvPr id="3" name="Content Placeholder 2">
@@ -52532,8 +52477,8 @@
           </a:p>
         </p:txBody>
       </p:sp>
-      <mc:AlternateContent xmlns:mc="http://schemas.openxmlformats.org/markup-compatibility/2006">
-        <mc:Choice xmlns:a14="http://schemas.microsoft.com/office/drawing/2010/main" Requires="a14">
+      <mc:AlternateContent xmlns:mc="http://schemas.openxmlformats.org/markup-compatibility/2006" xmlns:a14="http://schemas.microsoft.com/office/drawing/2010/main">
+        <mc:Choice Requires="a14">
           <p:sp>
             <p:nvSpPr>
               <p:cNvPr id="4" name="Content Placeholder 3">
@@ -52624,7 +52569,7 @@
             </p:txBody>
           </p:sp>
         </mc:Choice>
-        <mc:Fallback>
+        <mc:Fallback xmlns="">
           <p:sp>
             <p:nvSpPr>
               <p:cNvPr id="4" name="Content Placeholder 3">
